--- a/spring/spring_cloud_gateway/gateway.pptx
+++ b/spring/spring_cloud_gateway/gateway.pptx
@@ -5,10 +5,11 @@
     <p:sldMasterId id="2147483648" r:id="rId1"/>
   </p:sldMasterIdLst>
   <p:notesMasterIdLst>
-    <p:notesMasterId r:id="rId3"/>
+    <p:notesMasterId r:id="rId4"/>
   </p:notesMasterIdLst>
   <p:sldIdLst>
     <p:sldId id="256" r:id="rId2"/>
+    <p:sldId id="257" r:id="rId3"/>
   </p:sldIdLst>
   <p:sldSz cx="12192000" cy="6858000"/>
   <p:notesSz cx="6858000" cy="9144000"/>
@@ -197,7 +198,7 @@
           <a:p>
             <a:fld id="{CDA160C6-C7AF-4B06-B11C-08FB311A4A18}" type="datetimeFigureOut">
               <a:rPr lang="zh-CN" altLang="en-US" smtClean="0"/>
-              <a:t>2020/10/27</a:t>
+              <a:t>2020/11/18</a:t>
             </a:fld>
             <a:endParaRPr lang="zh-CN" altLang="en-US"/>
           </a:p>
@@ -552,6 +553,94 @@
 </p:notes>
 </file>
 
+<file path=ppt/notesSlides/notesSlide2.xml><?xml version="1.0" encoding="utf-8"?>
+<p:notes xmlns:a="http://schemas.openxmlformats.org/drawingml/2006/main" xmlns:r="http://schemas.openxmlformats.org/officeDocument/2006/relationships" xmlns:p="http://schemas.openxmlformats.org/presentationml/2006/main">
+  <p:cSld>
+    <p:spTree>
+      <p:nvGrpSpPr>
+        <p:cNvPr id="1" name=""/>
+        <p:cNvGrpSpPr/>
+        <p:nvPr/>
+      </p:nvGrpSpPr>
+      <p:grpSpPr>
+        <a:xfrm>
+          <a:off x="0" y="0"/>
+          <a:ext cx="0" cy="0"/>
+          <a:chOff x="0" y="0"/>
+          <a:chExt cx="0" cy="0"/>
+        </a:xfrm>
+      </p:grpSpPr>
+      <p:sp>
+        <p:nvSpPr>
+          <p:cNvPr id="2" name="幻灯片图像占位符 1"/>
+          <p:cNvSpPr>
+            <a:spLocks noGrp="1" noRot="1" noChangeAspect="1"/>
+          </p:cNvSpPr>
+          <p:nvPr>
+            <p:ph type="sldImg"/>
+          </p:nvPr>
+        </p:nvSpPr>
+        <p:spPr/>
+      </p:sp>
+      <p:sp>
+        <p:nvSpPr>
+          <p:cNvPr id="3" name="备注占位符 2"/>
+          <p:cNvSpPr>
+            <a:spLocks noGrp="1"/>
+          </p:cNvSpPr>
+          <p:nvPr>
+            <p:ph type="body" idx="1"/>
+          </p:nvPr>
+        </p:nvSpPr>
+        <p:spPr/>
+        <p:txBody>
+          <a:bodyPr/>
+          <a:lstStyle/>
+          <a:p>
+            <a:r>
+              <a:rPr lang="en-US" altLang="zh-CN" dirty="0" err="1"/>
+              <a:t>ReactiveLoadBalancer</a:t>
+            </a:r>
+            <a:endParaRPr lang="zh-CN" altLang="en-US" dirty="0"/>
+          </a:p>
+        </p:txBody>
+      </p:sp>
+      <p:sp>
+        <p:nvSpPr>
+          <p:cNvPr id="4" name="灯片编号占位符 3"/>
+          <p:cNvSpPr>
+            <a:spLocks noGrp="1"/>
+          </p:cNvSpPr>
+          <p:nvPr>
+            <p:ph type="sldNum" sz="quarter" idx="5"/>
+          </p:nvPr>
+        </p:nvSpPr>
+        <p:spPr/>
+        <p:txBody>
+          <a:bodyPr/>
+          <a:lstStyle/>
+          <a:p>
+            <a:fld id="{82DF11EC-5F98-4D5A-B648-1A2C675F96B2}" type="slidenum">
+              <a:rPr lang="zh-CN" altLang="en-US" smtClean="0"/>
+              <a:t>2</a:t>
+            </a:fld>
+            <a:endParaRPr lang="zh-CN" altLang="en-US"/>
+          </a:p>
+        </p:txBody>
+      </p:sp>
+    </p:spTree>
+    <p:extLst>
+      <p:ext uri="{BB962C8B-B14F-4D97-AF65-F5344CB8AC3E}">
+        <p14:creationId xmlns:p14="http://schemas.microsoft.com/office/powerpoint/2010/main" val="3889176525"/>
+      </p:ext>
+    </p:extLst>
+  </p:cSld>
+  <p:clrMapOvr>
+    <a:masterClrMapping/>
+  </p:clrMapOvr>
+</p:notes>
+</file>
+
 <file path=ppt/slideLayouts/slideLayout1.xml><?xml version="1.0" encoding="utf-8"?>
 <p:sldLayout xmlns:a="http://schemas.openxmlformats.org/drawingml/2006/main" xmlns:r="http://schemas.openxmlformats.org/officeDocument/2006/relationships" xmlns:p="http://schemas.openxmlformats.org/presentationml/2006/main" type="title" preserve="1">
   <p:cSld name="标题幻灯片">
@@ -699,7 +788,7 @@
           <a:p>
             <a:fld id="{2AAC49D6-6844-4470-98FF-F086DE4E3B04}" type="datetimeFigureOut">
               <a:rPr lang="zh-CN" altLang="en-US" smtClean="0"/>
-              <a:t>2020/10/27</a:t>
+              <a:t>2020/11/18</a:t>
             </a:fld>
             <a:endParaRPr lang="zh-CN" altLang="en-US"/>
           </a:p>
@@ -897,7 +986,7 @@
           <a:p>
             <a:fld id="{2AAC49D6-6844-4470-98FF-F086DE4E3B04}" type="datetimeFigureOut">
               <a:rPr lang="zh-CN" altLang="en-US" smtClean="0"/>
-              <a:t>2020/10/27</a:t>
+              <a:t>2020/11/18</a:t>
             </a:fld>
             <a:endParaRPr lang="zh-CN" altLang="en-US"/>
           </a:p>
@@ -1105,7 +1194,7 @@
           <a:p>
             <a:fld id="{2AAC49D6-6844-4470-98FF-F086DE4E3B04}" type="datetimeFigureOut">
               <a:rPr lang="zh-CN" altLang="en-US" smtClean="0"/>
-              <a:t>2020/10/27</a:t>
+              <a:t>2020/11/18</a:t>
             </a:fld>
             <a:endParaRPr lang="zh-CN" altLang="en-US"/>
           </a:p>
@@ -1303,7 +1392,7 @@
           <a:p>
             <a:fld id="{2AAC49D6-6844-4470-98FF-F086DE4E3B04}" type="datetimeFigureOut">
               <a:rPr lang="zh-CN" altLang="en-US" smtClean="0"/>
-              <a:t>2020/10/27</a:t>
+              <a:t>2020/11/18</a:t>
             </a:fld>
             <a:endParaRPr lang="zh-CN" altLang="en-US"/>
           </a:p>
@@ -1578,7 +1667,7 @@
           <a:p>
             <a:fld id="{2AAC49D6-6844-4470-98FF-F086DE4E3B04}" type="datetimeFigureOut">
               <a:rPr lang="zh-CN" altLang="en-US" smtClean="0"/>
-              <a:t>2020/10/27</a:t>
+              <a:t>2020/11/18</a:t>
             </a:fld>
             <a:endParaRPr lang="zh-CN" altLang="en-US"/>
           </a:p>
@@ -1843,7 +1932,7 @@
           <a:p>
             <a:fld id="{2AAC49D6-6844-4470-98FF-F086DE4E3B04}" type="datetimeFigureOut">
               <a:rPr lang="zh-CN" altLang="en-US" smtClean="0"/>
-              <a:t>2020/10/27</a:t>
+              <a:t>2020/11/18</a:t>
             </a:fld>
             <a:endParaRPr lang="zh-CN" altLang="en-US"/>
           </a:p>
@@ -2255,7 +2344,7 @@
           <a:p>
             <a:fld id="{2AAC49D6-6844-4470-98FF-F086DE4E3B04}" type="datetimeFigureOut">
               <a:rPr lang="zh-CN" altLang="en-US" smtClean="0"/>
-              <a:t>2020/10/27</a:t>
+              <a:t>2020/11/18</a:t>
             </a:fld>
             <a:endParaRPr lang="zh-CN" altLang="en-US"/>
           </a:p>
@@ -2396,7 +2485,7 @@
           <a:p>
             <a:fld id="{2AAC49D6-6844-4470-98FF-F086DE4E3B04}" type="datetimeFigureOut">
               <a:rPr lang="zh-CN" altLang="en-US" smtClean="0"/>
-              <a:t>2020/10/27</a:t>
+              <a:t>2020/11/18</a:t>
             </a:fld>
             <a:endParaRPr lang="zh-CN" altLang="en-US"/>
           </a:p>
@@ -2509,7 +2598,7 @@
           <a:p>
             <a:fld id="{2AAC49D6-6844-4470-98FF-F086DE4E3B04}" type="datetimeFigureOut">
               <a:rPr lang="zh-CN" altLang="en-US" smtClean="0"/>
-              <a:t>2020/10/27</a:t>
+              <a:t>2020/11/18</a:t>
             </a:fld>
             <a:endParaRPr lang="zh-CN" altLang="en-US"/>
           </a:p>
@@ -2820,7 +2909,7 @@
           <a:p>
             <a:fld id="{2AAC49D6-6844-4470-98FF-F086DE4E3B04}" type="datetimeFigureOut">
               <a:rPr lang="zh-CN" altLang="en-US" smtClean="0"/>
-              <a:t>2020/10/27</a:t>
+              <a:t>2020/11/18</a:t>
             </a:fld>
             <a:endParaRPr lang="zh-CN" altLang="en-US"/>
           </a:p>
@@ -3108,7 +3197,7 @@
           <a:p>
             <a:fld id="{2AAC49D6-6844-4470-98FF-F086DE4E3B04}" type="datetimeFigureOut">
               <a:rPr lang="zh-CN" altLang="en-US" smtClean="0"/>
-              <a:t>2020/10/27</a:t>
+              <a:t>2020/11/18</a:t>
             </a:fld>
             <a:endParaRPr lang="zh-CN" altLang="en-US"/>
           </a:p>
@@ -3349,7 +3438,7 @@
           <a:p>
             <a:fld id="{2AAC49D6-6844-4470-98FF-F086DE4E3B04}" type="datetimeFigureOut">
               <a:rPr lang="zh-CN" altLang="en-US" smtClean="0"/>
-              <a:t>2020/10/27</a:t>
+              <a:t>2020/11/18</a:t>
             </a:fld>
             <a:endParaRPr lang="zh-CN" altLang="en-US"/>
           </a:p>
@@ -4069,6 +4158,332 @@
     <p:extLst>
       <p:ext uri="{BB962C8B-B14F-4D97-AF65-F5344CB8AC3E}">
         <p14:creationId xmlns:p14="http://schemas.microsoft.com/office/powerpoint/2010/main" val="1430271269"/>
+      </p:ext>
+    </p:extLst>
+  </p:cSld>
+  <p:clrMapOvr>
+    <a:masterClrMapping/>
+  </p:clrMapOvr>
+</p:sld>
+</file>
+
+<file path=ppt/slides/slide2.xml><?xml version="1.0" encoding="utf-8"?>
+<p:sld xmlns:a="http://schemas.openxmlformats.org/drawingml/2006/main" xmlns:r="http://schemas.openxmlformats.org/officeDocument/2006/relationships" xmlns:p="http://schemas.openxmlformats.org/presentationml/2006/main">
+  <p:cSld>
+    <p:spTree>
+      <p:nvGrpSpPr>
+        <p:cNvPr id="1" name=""/>
+        <p:cNvGrpSpPr/>
+        <p:nvPr/>
+      </p:nvGrpSpPr>
+      <p:grpSpPr>
+        <a:xfrm>
+          <a:off x="0" y="0"/>
+          <a:ext cx="0" cy="0"/>
+          <a:chOff x="0" y="0"/>
+          <a:chExt cx="0" cy="0"/>
+        </a:xfrm>
+      </p:grpSpPr>
+      <p:sp>
+        <p:nvSpPr>
+          <p:cNvPr id="6" name="矩形 5">
+            <a:extLst>
+              <a:ext uri="{FF2B5EF4-FFF2-40B4-BE49-F238E27FC236}">
+                <a16:creationId xmlns:a16="http://schemas.microsoft.com/office/drawing/2014/main" id="{83D570F2-AEB8-4EC3-82B2-C4B68020D84A}"/>
+              </a:ext>
+            </a:extLst>
+          </p:cNvPr>
+          <p:cNvSpPr/>
+          <p:nvPr/>
+        </p:nvSpPr>
+        <p:spPr>
+          <a:xfrm>
+            <a:off x="1511428" y="1204275"/>
+            <a:ext cx="5747326" cy="443903"/>
+          </a:xfrm>
+          <a:prstGeom prst="rect">
+            <a:avLst/>
+          </a:prstGeom>
+          <a:solidFill>
+            <a:schemeClr val="bg1"/>
+          </a:solidFill>
+          <a:ln>
+            <a:solidFill>
+              <a:schemeClr val="tx1"/>
+            </a:solidFill>
+          </a:ln>
+        </p:spPr>
+        <p:style>
+          <a:lnRef idx="2">
+            <a:schemeClr val="accent1">
+              <a:shade val="50000"/>
+            </a:schemeClr>
+          </a:lnRef>
+          <a:fillRef idx="1">
+            <a:schemeClr val="accent1"/>
+          </a:fillRef>
+          <a:effectRef idx="0">
+            <a:schemeClr val="accent1"/>
+          </a:effectRef>
+          <a:fontRef idx="minor">
+            <a:schemeClr val="lt1"/>
+          </a:fontRef>
+        </p:style>
+        <p:txBody>
+          <a:bodyPr rtlCol="0" anchor="ctr"/>
+          <a:lstStyle/>
+          <a:p>
+            <a:pPr algn="ctr"/>
+            <a:r>
+              <a:rPr lang="zh-CN" altLang="zh-CN" sz="1400" dirty="0">
+                <a:solidFill>
+                  <a:schemeClr val="tx1"/>
+                </a:solidFill>
+                <a:latin typeface="Consolas" panose="020B0609020204030204" pitchFamily="49" charset="0"/>
+              </a:rPr>
+              <a:t>GatewayReactiveLoadBalancerClientAutoConfiguration</a:t>
+            </a:r>
+            <a:r>
+              <a:rPr lang="en-US" altLang="zh-CN" sz="1400" dirty="0">
+                <a:solidFill>
+                  <a:schemeClr val="tx1"/>
+                </a:solidFill>
+                <a:latin typeface="Consolas" panose="020B0609020204030204" pitchFamily="49" charset="0"/>
+              </a:rPr>
+              <a:t>.class</a:t>
+            </a:r>
+            <a:endParaRPr lang="zh-CN" altLang="zh-CN" sz="1400" dirty="0">
+              <a:solidFill>
+                <a:schemeClr val="tx1"/>
+              </a:solidFill>
+              <a:latin typeface="Consolas" panose="020B0609020204030204" pitchFamily="49" charset="0"/>
+            </a:endParaRPr>
+          </a:p>
+        </p:txBody>
+      </p:sp>
+      <p:sp>
+        <p:nvSpPr>
+          <p:cNvPr id="9" name="矩形 8">
+            <a:extLst>
+              <a:ext uri="{FF2B5EF4-FFF2-40B4-BE49-F238E27FC236}">
+                <a16:creationId xmlns:a16="http://schemas.microsoft.com/office/drawing/2014/main" id="{419D0DB1-E15F-447D-BBE6-67898DEF9976}"/>
+              </a:ext>
+            </a:extLst>
+          </p:cNvPr>
+          <p:cNvSpPr/>
+          <p:nvPr/>
+        </p:nvSpPr>
+        <p:spPr>
+          <a:xfrm>
+            <a:off x="1819374" y="2751842"/>
+            <a:ext cx="3629319" cy="341721"/>
+          </a:xfrm>
+          <a:prstGeom prst="rect">
+            <a:avLst/>
+          </a:prstGeom>
+          <a:solidFill>
+            <a:schemeClr val="bg1"/>
+          </a:solidFill>
+          <a:ln>
+            <a:solidFill>
+              <a:schemeClr val="tx1"/>
+            </a:solidFill>
+          </a:ln>
+        </p:spPr>
+        <p:style>
+          <a:lnRef idx="2">
+            <a:schemeClr val="accent1">
+              <a:shade val="50000"/>
+            </a:schemeClr>
+          </a:lnRef>
+          <a:fillRef idx="1">
+            <a:schemeClr val="accent1"/>
+          </a:fillRef>
+          <a:effectRef idx="0">
+            <a:schemeClr val="accent1"/>
+          </a:effectRef>
+          <a:fontRef idx="minor">
+            <a:schemeClr val="lt1"/>
+          </a:fontRef>
+        </p:style>
+        <p:txBody>
+          <a:bodyPr rtlCol="0" anchor="ctr"/>
+          <a:lstStyle/>
+          <a:p>
+            <a:pPr algn="ctr"/>
+            <a:r>
+              <a:rPr lang="zh-CN" altLang="zh-CN" sz="1400" dirty="0">
+                <a:solidFill>
+                  <a:schemeClr val="tx1"/>
+                </a:solidFill>
+                <a:latin typeface="Consolas" panose="020B0609020204030204" pitchFamily="49" charset="0"/>
+              </a:rPr>
+              <a:t>LoadBalancerAutoConfiguration</a:t>
+            </a:r>
+            <a:r>
+              <a:rPr lang="en-US" altLang="zh-CN" sz="1400" dirty="0">
+                <a:solidFill>
+                  <a:schemeClr val="tx1"/>
+                </a:solidFill>
+                <a:latin typeface="Consolas" panose="020B0609020204030204" pitchFamily="49" charset="0"/>
+              </a:rPr>
+              <a:t>.class</a:t>
+            </a:r>
+            <a:endParaRPr lang="zh-CN" altLang="zh-CN" sz="1400" dirty="0">
+              <a:solidFill>
+                <a:schemeClr val="tx1"/>
+              </a:solidFill>
+              <a:latin typeface="Consolas" panose="020B0609020204030204" pitchFamily="49" charset="0"/>
+            </a:endParaRPr>
+          </a:p>
+        </p:txBody>
+      </p:sp>
+      <p:sp>
+        <p:nvSpPr>
+          <p:cNvPr id="11" name="矩形 10">
+            <a:extLst>
+              <a:ext uri="{FF2B5EF4-FFF2-40B4-BE49-F238E27FC236}">
+                <a16:creationId xmlns:a16="http://schemas.microsoft.com/office/drawing/2014/main" id="{1D025140-3621-41DE-86EF-8B7ED603894E}"/>
+              </a:ext>
+            </a:extLst>
+          </p:cNvPr>
+          <p:cNvSpPr/>
+          <p:nvPr/>
+        </p:nvSpPr>
+        <p:spPr>
+          <a:xfrm>
+            <a:off x="1819373" y="3258139"/>
+            <a:ext cx="3629319" cy="341721"/>
+          </a:xfrm>
+          <a:prstGeom prst="rect">
+            <a:avLst/>
+          </a:prstGeom>
+          <a:solidFill>
+            <a:schemeClr val="bg1"/>
+          </a:solidFill>
+          <a:ln>
+            <a:solidFill>
+              <a:schemeClr val="tx1"/>
+            </a:solidFill>
+          </a:ln>
+        </p:spPr>
+        <p:style>
+          <a:lnRef idx="2">
+            <a:schemeClr val="accent1">
+              <a:shade val="50000"/>
+            </a:schemeClr>
+          </a:lnRef>
+          <a:fillRef idx="1">
+            <a:schemeClr val="accent1"/>
+          </a:fillRef>
+          <a:effectRef idx="0">
+            <a:schemeClr val="accent1"/>
+          </a:effectRef>
+          <a:fontRef idx="minor">
+            <a:schemeClr val="lt1"/>
+          </a:fontRef>
+        </p:style>
+        <p:txBody>
+          <a:bodyPr rtlCol="0" anchor="ctr"/>
+          <a:lstStyle/>
+          <a:p>
+            <a:r>
+              <a:rPr lang="en-US" altLang="zh-CN" sz="1400" dirty="0" err="1">
+                <a:solidFill>
+                  <a:schemeClr val="tx1"/>
+                </a:solidFill>
+                <a:latin typeface="Consolas" panose="020B0609020204030204" pitchFamily="49" charset="0"/>
+              </a:rPr>
+              <a:t>ReactiveLoadBalancer.class</a:t>
+            </a:r>
+            <a:endParaRPr lang="zh-CN" altLang="zh-CN" sz="1400" dirty="0">
+              <a:solidFill>
+                <a:schemeClr val="tx1"/>
+              </a:solidFill>
+              <a:latin typeface="Consolas" panose="020B0609020204030204" pitchFamily="49" charset="0"/>
+            </a:endParaRPr>
+          </a:p>
+        </p:txBody>
+      </p:sp>
+      <p:cxnSp>
+        <p:nvCxnSpPr>
+          <p:cNvPr id="13" name="直接箭头连接符 12">
+            <a:extLst>
+              <a:ext uri="{FF2B5EF4-FFF2-40B4-BE49-F238E27FC236}">
+                <a16:creationId xmlns:a16="http://schemas.microsoft.com/office/drawing/2014/main" id="{1FDAEB44-94F1-4624-9F5F-70E7FE1CA06F}"/>
+              </a:ext>
+            </a:extLst>
+          </p:cNvPr>
+          <p:cNvCxnSpPr/>
+          <p:nvPr/>
+        </p:nvCxnSpPr>
+        <p:spPr>
+          <a:xfrm>
+            <a:off x="3702755" y="1682780"/>
+            <a:ext cx="0" cy="959555"/>
+          </a:xfrm>
+          <a:prstGeom prst="straightConnector1">
+            <a:avLst/>
+          </a:prstGeom>
+          <a:ln>
+            <a:tailEnd type="triangle"/>
+          </a:ln>
+        </p:spPr>
+        <p:style>
+          <a:lnRef idx="1">
+            <a:schemeClr val="accent1"/>
+          </a:lnRef>
+          <a:fillRef idx="0">
+            <a:schemeClr val="accent1"/>
+          </a:fillRef>
+          <a:effectRef idx="0">
+            <a:schemeClr val="accent1"/>
+          </a:effectRef>
+          <a:fontRef idx="minor">
+            <a:schemeClr val="tx1"/>
+          </a:fontRef>
+        </p:style>
+      </p:cxnSp>
+      <p:sp>
+        <p:nvSpPr>
+          <p:cNvPr id="14" name="文本框 13">
+            <a:extLst>
+              <a:ext uri="{FF2B5EF4-FFF2-40B4-BE49-F238E27FC236}">
+                <a16:creationId xmlns:a16="http://schemas.microsoft.com/office/drawing/2014/main" id="{0201873E-6161-4A60-AE62-A32AC74D52FB}"/>
+              </a:ext>
+            </a:extLst>
+          </p:cNvPr>
+          <p:cNvSpPr txBox="1"/>
+          <p:nvPr/>
+        </p:nvSpPr>
+        <p:spPr>
+          <a:xfrm>
+            <a:off x="3725333" y="2032735"/>
+            <a:ext cx="1117614" cy="369332"/>
+          </a:xfrm>
+          <a:prstGeom prst="rect">
+            <a:avLst/>
+          </a:prstGeom>
+          <a:noFill/>
+        </p:spPr>
+        <p:txBody>
+          <a:bodyPr wrap="none" rtlCol="0">
+            <a:spAutoFit/>
+          </a:bodyPr>
+          <a:lstStyle/>
+          <a:p>
+            <a:r>
+              <a:rPr lang="en-US" altLang="zh-CN" dirty="0"/>
+              <a:t>condition</a:t>
+            </a:r>
+            <a:endParaRPr lang="zh-CN" altLang="en-US" dirty="0"/>
+          </a:p>
+        </p:txBody>
+      </p:sp>
+    </p:spTree>
+    <p:extLst>
+      <p:ext uri="{BB962C8B-B14F-4D97-AF65-F5344CB8AC3E}">
+        <p14:creationId xmlns:p14="http://schemas.microsoft.com/office/powerpoint/2010/main" val="3247980040"/>
       </p:ext>
     </p:extLst>
   </p:cSld>

--- a/spring/spring_cloud_gateway/gateway.pptx
+++ b/spring/spring_cloud_gateway/gateway.pptx
@@ -5,11 +5,12 @@
     <p:sldMasterId id="2147483648" r:id="rId1"/>
   </p:sldMasterIdLst>
   <p:notesMasterIdLst>
-    <p:notesMasterId r:id="rId4"/>
+    <p:notesMasterId r:id="rId5"/>
   </p:notesMasterIdLst>
   <p:sldIdLst>
-    <p:sldId id="256" r:id="rId2"/>
-    <p:sldId id="257" r:id="rId3"/>
+    <p:sldId id="258" r:id="rId2"/>
+    <p:sldId id="256" r:id="rId3"/>
+    <p:sldId id="257" r:id="rId4"/>
   </p:sldIdLst>
   <p:sldSz cx="12192000" cy="6858000"/>
   <p:notesSz cx="6858000" cy="9144000"/>
@@ -198,7 +199,7 @@
           <a:p>
             <a:fld id="{CDA160C6-C7AF-4B06-B11C-08FB311A4A18}" type="datetimeFigureOut">
               <a:rPr lang="zh-CN" altLang="en-US" smtClean="0"/>
-              <a:t>2020/11/18</a:t>
+              <a:t>2021/1/23</a:t>
             </a:fld>
             <a:endParaRPr lang="zh-CN" altLang="en-US"/>
           </a:p>
@@ -509,11 +510,37 @@
           <a:bodyPr/>
           <a:lstStyle/>
           <a:p>
-            <a:r>
-              <a:rPr lang="en-US" altLang="zh-CN" dirty="0" err="1"/>
-              <a:t>RouteDefinition</a:t>
-            </a:r>
-            <a:endParaRPr lang="zh-CN" altLang="en-US" dirty="0"/>
+            <a:pPr marL="0" marR="0" lvl="0" indent="0" algn="l" defTabSz="914400" rtl="0" eaLnBrk="1" fontAlgn="auto" latinLnBrk="0" hangingPunct="1">
+              <a:lnSpc>
+                <a:spcPct val="100000"/>
+              </a:lnSpc>
+              <a:spcBef>
+                <a:spcPts val="0"/>
+              </a:spcBef>
+              <a:spcAft>
+                <a:spcPts val="0"/>
+              </a:spcAft>
+              <a:buClrTx/>
+              <a:buSzTx/>
+              <a:buFontTx/>
+              <a:buNone/>
+              <a:tabLst/>
+              <a:defRPr/>
+            </a:pPr>
+            <a:r>
+              <a:rPr lang="en-US" altLang="zh-CN" sz="9600" dirty="0"/>
+              <a:t>spring-boot-maven-plugin</a:t>
+            </a:r>
+            <a:endParaRPr kumimoji="0" lang="zh-CN" altLang="zh-CN" sz="1600" b="0" i="0" u="none" strike="noStrike" cap="none" normalizeH="0" baseline="0" dirty="0">
+              <a:ln>
+                <a:noFill/>
+              </a:ln>
+              <a:solidFill>
+                <a:schemeClr val="tx1"/>
+              </a:solidFill>
+              <a:effectLst/>
+              <a:latin typeface="Arial" panose="020B0604020202020204" pitchFamily="34" charset="0"/>
+            </a:endParaRPr>
           </a:p>
         </p:txBody>
       </p:sp>
@@ -532,7 +559,7 @@
           <a:bodyPr/>
           <a:lstStyle/>
           <a:p>
-            <a:fld id="{82DF11EC-5F98-4D5A-B648-1A2C675F96B2}" type="slidenum">
+            <a:fld id="{2527DE06-44B1-47C0-8861-3368BB7D2523}" type="slidenum">
               <a:rPr lang="zh-CN" altLang="en-US" smtClean="0"/>
               <a:t>1</a:t>
             </a:fld>
@@ -543,7 +570,7 @@
     </p:spTree>
     <p:extLst>
       <p:ext uri="{BB962C8B-B14F-4D97-AF65-F5344CB8AC3E}">
-        <p14:creationId xmlns:p14="http://schemas.microsoft.com/office/powerpoint/2010/main" val="4011789027"/>
+        <p14:creationId xmlns:p14="http://schemas.microsoft.com/office/powerpoint/2010/main" val="3424934936"/>
       </p:ext>
     </p:extLst>
   </p:cSld>
@@ -599,7 +626,7 @@
           <a:p>
             <a:r>
               <a:rPr lang="en-US" altLang="zh-CN" dirty="0" err="1"/>
-              <a:t>ReactiveLoadBalancer</a:t>
+              <a:t>RouteDefinition</a:t>
             </a:r>
             <a:endParaRPr lang="zh-CN" altLang="en-US" dirty="0"/>
           </a:p>
@@ -623,6 +650,94 @@
             <a:fld id="{82DF11EC-5F98-4D5A-B648-1A2C675F96B2}" type="slidenum">
               <a:rPr lang="zh-CN" altLang="en-US" smtClean="0"/>
               <a:t>2</a:t>
+            </a:fld>
+            <a:endParaRPr lang="zh-CN" altLang="en-US"/>
+          </a:p>
+        </p:txBody>
+      </p:sp>
+    </p:spTree>
+    <p:extLst>
+      <p:ext uri="{BB962C8B-B14F-4D97-AF65-F5344CB8AC3E}">
+        <p14:creationId xmlns:p14="http://schemas.microsoft.com/office/powerpoint/2010/main" val="4011789027"/>
+      </p:ext>
+    </p:extLst>
+  </p:cSld>
+  <p:clrMapOvr>
+    <a:masterClrMapping/>
+  </p:clrMapOvr>
+</p:notes>
+</file>
+
+<file path=ppt/notesSlides/notesSlide3.xml><?xml version="1.0" encoding="utf-8"?>
+<p:notes xmlns:a="http://schemas.openxmlformats.org/drawingml/2006/main" xmlns:r="http://schemas.openxmlformats.org/officeDocument/2006/relationships" xmlns:p="http://schemas.openxmlformats.org/presentationml/2006/main">
+  <p:cSld>
+    <p:spTree>
+      <p:nvGrpSpPr>
+        <p:cNvPr id="1" name=""/>
+        <p:cNvGrpSpPr/>
+        <p:nvPr/>
+      </p:nvGrpSpPr>
+      <p:grpSpPr>
+        <a:xfrm>
+          <a:off x="0" y="0"/>
+          <a:ext cx="0" cy="0"/>
+          <a:chOff x="0" y="0"/>
+          <a:chExt cx="0" cy="0"/>
+        </a:xfrm>
+      </p:grpSpPr>
+      <p:sp>
+        <p:nvSpPr>
+          <p:cNvPr id="2" name="幻灯片图像占位符 1"/>
+          <p:cNvSpPr>
+            <a:spLocks noGrp="1" noRot="1" noChangeAspect="1"/>
+          </p:cNvSpPr>
+          <p:nvPr>
+            <p:ph type="sldImg"/>
+          </p:nvPr>
+        </p:nvSpPr>
+        <p:spPr/>
+      </p:sp>
+      <p:sp>
+        <p:nvSpPr>
+          <p:cNvPr id="3" name="备注占位符 2"/>
+          <p:cNvSpPr>
+            <a:spLocks noGrp="1"/>
+          </p:cNvSpPr>
+          <p:nvPr>
+            <p:ph type="body" idx="1"/>
+          </p:nvPr>
+        </p:nvSpPr>
+        <p:spPr/>
+        <p:txBody>
+          <a:bodyPr/>
+          <a:lstStyle/>
+          <a:p>
+            <a:r>
+              <a:rPr lang="en-US" altLang="zh-CN" dirty="0" err="1"/>
+              <a:t>ReactiveLoadBalancer</a:t>
+            </a:r>
+            <a:endParaRPr lang="zh-CN" altLang="en-US" dirty="0"/>
+          </a:p>
+        </p:txBody>
+      </p:sp>
+      <p:sp>
+        <p:nvSpPr>
+          <p:cNvPr id="4" name="灯片编号占位符 3"/>
+          <p:cNvSpPr>
+            <a:spLocks noGrp="1"/>
+          </p:cNvSpPr>
+          <p:nvPr>
+            <p:ph type="sldNum" sz="quarter" idx="5"/>
+          </p:nvPr>
+        </p:nvSpPr>
+        <p:spPr/>
+        <p:txBody>
+          <a:bodyPr/>
+          <a:lstStyle/>
+          <a:p>
+            <a:fld id="{82DF11EC-5F98-4D5A-B648-1A2C675F96B2}" type="slidenum">
+              <a:rPr lang="zh-CN" altLang="en-US" smtClean="0"/>
+              <a:t>3</a:t>
             </a:fld>
             <a:endParaRPr lang="zh-CN" altLang="en-US"/>
           </a:p>
@@ -788,7 +903,7 @@
           <a:p>
             <a:fld id="{2AAC49D6-6844-4470-98FF-F086DE4E3B04}" type="datetimeFigureOut">
               <a:rPr lang="zh-CN" altLang="en-US" smtClean="0"/>
-              <a:t>2020/11/18</a:t>
+              <a:t>2021/1/23</a:t>
             </a:fld>
             <a:endParaRPr lang="zh-CN" altLang="en-US"/>
           </a:p>
@@ -986,7 +1101,7 @@
           <a:p>
             <a:fld id="{2AAC49D6-6844-4470-98FF-F086DE4E3B04}" type="datetimeFigureOut">
               <a:rPr lang="zh-CN" altLang="en-US" smtClean="0"/>
-              <a:t>2020/11/18</a:t>
+              <a:t>2021/1/23</a:t>
             </a:fld>
             <a:endParaRPr lang="zh-CN" altLang="en-US"/>
           </a:p>
@@ -1194,7 +1309,7 @@
           <a:p>
             <a:fld id="{2AAC49D6-6844-4470-98FF-F086DE4E3B04}" type="datetimeFigureOut">
               <a:rPr lang="zh-CN" altLang="en-US" smtClean="0"/>
-              <a:t>2020/11/18</a:t>
+              <a:t>2021/1/23</a:t>
             </a:fld>
             <a:endParaRPr lang="zh-CN" altLang="en-US"/>
           </a:p>
@@ -1392,7 +1507,7 @@
           <a:p>
             <a:fld id="{2AAC49D6-6844-4470-98FF-F086DE4E3B04}" type="datetimeFigureOut">
               <a:rPr lang="zh-CN" altLang="en-US" smtClean="0"/>
-              <a:t>2020/11/18</a:t>
+              <a:t>2021/1/23</a:t>
             </a:fld>
             <a:endParaRPr lang="zh-CN" altLang="en-US"/>
           </a:p>
@@ -1667,7 +1782,7 @@
           <a:p>
             <a:fld id="{2AAC49D6-6844-4470-98FF-F086DE4E3B04}" type="datetimeFigureOut">
               <a:rPr lang="zh-CN" altLang="en-US" smtClean="0"/>
-              <a:t>2020/11/18</a:t>
+              <a:t>2021/1/23</a:t>
             </a:fld>
             <a:endParaRPr lang="zh-CN" altLang="en-US"/>
           </a:p>
@@ -1932,7 +2047,7 @@
           <a:p>
             <a:fld id="{2AAC49D6-6844-4470-98FF-F086DE4E3B04}" type="datetimeFigureOut">
               <a:rPr lang="zh-CN" altLang="en-US" smtClean="0"/>
-              <a:t>2020/11/18</a:t>
+              <a:t>2021/1/23</a:t>
             </a:fld>
             <a:endParaRPr lang="zh-CN" altLang="en-US"/>
           </a:p>
@@ -2344,7 +2459,7 @@
           <a:p>
             <a:fld id="{2AAC49D6-6844-4470-98FF-F086DE4E3B04}" type="datetimeFigureOut">
               <a:rPr lang="zh-CN" altLang="en-US" smtClean="0"/>
-              <a:t>2020/11/18</a:t>
+              <a:t>2021/1/23</a:t>
             </a:fld>
             <a:endParaRPr lang="zh-CN" altLang="en-US"/>
           </a:p>
@@ -2485,7 +2600,7 @@
           <a:p>
             <a:fld id="{2AAC49D6-6844-4470-98FF-F086DE4E3B04}" type="datetimeFigureOut">
               <a:rPr lang="zh-CN" altLang="en-US" smtClean="0"/>
-              <a:t>2020/11/18</a:t>
+              <a:t>2021/1/23</a:t>
             </a:fld>
             <a:endParaRPr lang="zh-CN" altLang="en-US"/>
           </a:p>
@@ -2598,7 +2713,7 @@
           <a:p>
             <a:fld id="{2AAC49D6-6844-4470-98FF-F086DE4E3B04}" type="datetimeFigureOut">
               <a:rPr lang="zh-CN" altLang="en-US" smtClean="0"/>
-              <a:t>2020/11/18</a:t>
+              <a:t>2021/1/23</a:t>
             </a:fld>
             <a:endParaRPr lang="zh-CN" altLang="en-US"/>
           </a:p>
@@ -2909,7 +3024,7 @@
           <a:p>
             <a:fld id="{2AAC49D6-6844-4470-98FF-F086DE4E3B04}" type="datetimeFigureOut">
               <a:rPr lang="zh-CN" altLang="en-US" smtClean="0"/>
-              <a:t>2020/11/18</a:t>
+              <a:t>2021/1/23</a:t>
             </a:fld>
             <a:endParaRPr lang="zh-CN" altLang="en-US"/>
           </a:p>
@@ -3197,7 +3312,7 @@
           <a:p>
             <a:fld id="{2AAC49D6-6844-4470-98FF-F086DE4E3B04}" type="datetimeFigureOut">
               <a:rPr lang="zh-CN" altLang="en-US" smtClean="0"/>
-              <a:t>2020/11/18</a:t>
+              <a:t>2021/1/23</a:t>
             </a:fld>
             <a:endParaRPr lang="zh-CN" altLang="en-US"/>
           </a:p>
@@ -3438,7 +3553,7 @@
           <a:p>
             <a:fld id="{2AAC49D6-6844-4470-98FF-F086DE4E3B04}" type="datetimeFigureOut">
               <a:rPr lang="zh-CN" altLang="en-US" smtClean="0"/>
-              <a:t>2020/11/18</a:t>
+              <a:t>2021/1/23</a:t>
             </a:fld>
             <a:endParaRPr lang="zh-CN" altLang="en-US"/>
           </a:p>
@@ -3857,6 +3972,801 @@
       </p:grpSpPr>
       <p:sp>
         <p:nvSpPr>
+          <p:cNvPr id="2" name="Rectangle 1">
+            <a:extLst>
+              <a:ext uri="{FF2B5EF4-FFF2-40B4-BE49-F238E27FC236}">
+                <a16:creationId xmlns:a16="http://schemas.microsoft.com/office/drawing/2014/main" id="{C63E099D-1A43-4EED-A71A-92E6161CA3FE}"/>
+              </a:ext>
+            </a:extLst>
+          </p:cNvPr>
+          <p:cNvSpPr>
+            <a:spLocks noChangeArrowheads="1"/>
+          </p:cNvSpPr>
+          <p:nvPr/>
+        </p:nvSpPr>
+        <p:spPr bwMode="auto">
+          <a:xfrm>
+            <a:off x="4392833" y="1325846"/>
+            <a:ext cx="2414444" cy="523220"/>
+          </a:xfrm>
+          <a:prstGeom prst="rect">
+            <a:avLst/>
+          </a:prstGeom>
+          <a:noFill/>
+          <a:ln>
+            <a:solidFill>
+              <a:schemeClr val="tx1"/>
+            </a:solidFill>
+          </a:ln>
+          <a:effectLst/>
+        </p:spPr>
+        <p:txBody>
+          <a:bodyPr vert="horz" wrap="none" lIns="91440" tIns="45720" rIns="91440" bIns="45720" numCol="1" anchor="ctr" anchorCtr="0" compatLnSpc="1">
+            <a:prstTxWarp prst="textNoShape">
+              <a:avLst/>
+            </a:prstTxWarp>
+            <a:spAutoFit/>
+          </a:bodyPr>
+          <a:lstStyle/>
+          <a:p>
+            <a:pPr eaLnBrk="0" fontAlgn="base" hangingPunct="0">
+              <a:spcBef>
+                <a:spcPct val="0"/>
+              </a:spcBef>
+              <a:spcAft>
+                <a:spcPct val="0"/>
+              </a:spcAft>
+            </a:pPr>
+            <a:r>
+              <a:rPr lang="en-US" altLang="zh-CN" sz="1400" dirty="0" err="1"/>
+              <a:t>org.springframework.boot</a:t>
+            </a:r>
+            <a:r>
+              <a:rPr lang="zh-CN" altLang="en-US" sz="1400" dirty="0"/>
+              <a:t>：</a:t>
+            </a:r>
+            <a:endParaRPr lang="en-US" altLang="zh-CN" sz="1400" dirty="0"/>
+          </a:p>
+          <a:p>
+            <a:pPr eaLnBrk="0" fontAlgn="base" hangingPunct="0">
+              <a:spcBef>
+                <a:spcPct val="0"/>
+              </a:spcBef>
+              <a:spcAft>
+                <a:spcPct val="0"/>
+              </a:spcAft>
+            </a:pPr>
+            <a:r>
+              <a:rPr lang="en-US" altLang="zh-CN" sz="1400" dirty="0"/>
+              <a:t>  S</a:t>
+            </a:r>
+            <a:r>
+              <a:rPr lang="zh-CN" altLang="zh-CN" sz="1400" dirty="0"/>
+              <a:t>pring-boot-starter-paren</a:t>
+            </a:r>
+            <a:r>
+              <a:rPr lang="en-US" altLang="zh-CN" sz="1400" dirty="0"/>
+              <a:t>t</a:t>
+            </a:r>
+          </a:p>
+        </p:txBody>
+      </p:sp>
+      <p:sp>
+        <p:nvSpPr>
+          <p:cNvPr id="10" name="Rectangle 1">
+            <a:extLst>
+              <a:ext uri="{FF2B5EF4-FFF2-40B4-BE49-F238E27FC236}">
+                <a16:creationId xmlns:a16="http://schemas.microsoft.com/office/drawing/2014/main" id="{6886787E-058F-4ECC-ADD0-5C349304D6C8}"/>
+              </a:ext>
+            </a:extLst>
+          </p:cNvPr>
+          <p:cNvSpPr>
+            <a:spLocks noChangeArrowheads="1"/>
+          </p:cNvSpPr>
+          <p:nvPr/>
+        </p:nvSpPr>
+        <p:spPr bwMode="auto">
+          <a:xfrm>
+            <a:off x="3318933" y="2462346"/>
+            <a:ext cx="3738207" cy="523220"/>
+          </a:xfrm>
+          <a:prstGeom prst="rect">
+            <a:avLst/>
+          </a:prstGeom>
+          <a:noFill/>
+          <a:ln>
+            <a:solidFill>
+              <a:schemeClr val="tx1"/>
+            </a:solidFill>
+          </a:ln>
+          <a:effectLst/>
+        </p:spPr>
+        <p:txBody>
+          <a:bodyPr vert="horz" wrap="square" lIns="91440" tIns="45720" rIns="91440" bIns="45720" numCol="1" anchor="ctr" anchorCtr="0" compatLnSpc="1">
+            <a:prstTxWarp prst="textNoShape">
+              <a:avLst/>
+            </a:prstTxWarp>
+            <a:spAutoFit/>
+          </a:bodyPr>
+          <a:lstStyle/>
+          <a:p>
+            <a:pPr eaLnBrk="0" fontAlgn="base" hangingPunct="0">
+              <a:spcBef>
+                <a:spcPct val="0"/>
+              </a:spcBef>
+              <a:spcAft>
+                <a:spcPct val="0"/>
+              </a:spcAft>
+            </a:pPr>
+            <a:r>
+              <a:rPr lang="en-US" altLang="zh-CN" sz="1400" dirty="0" err="1"/>
+              <a:t>org.springframework.cloud</a:t>
+            </a:r>
+            <a:r>
+              <a:rPr lang="zh-CN" altLang="en-US" sz="1400" dirty="0"/>
+              <a:t>：</a:t>
+            </a:r>
+            <a:r>
+              <a:rPr lang="en-US" altLang="zh-CN" sz="1400" dirty="0"/>
+              <a:t>spring-cloud-dependencies</a:t>
+            </a:r>
+          </a:p>
+        </p:txBody>
+      </p:sp>
+      <p:sp>
+        <p:nvSpPr>
+          <p:cNvPr id="14" name="Rectangle 1">
+            <a:extLst>
+              <a:ext uri="{FF2B5EF4-FFF2-40B4-BE49-F238E27FC236}">
+                <a16:creationId xmlns:a16="http://schemas.microsoft.com/office/drawing/2014/main" id="{03334E31-2699-43E7-8AA2-96560AB5AC01}"/>
+              </a:ext>
+            </a:extLst>
+          </p:cNvPr>
+          <p:cNvSpPr>
+            <a:spLocks noChangeArrowheads="1"/>
+          </p:cNvSpPr>
+          <p:nvPr/>
+        </p:nvSpPr>
+        <p:spPr bwMode="auto">
+          <a:xfrm>
+            <a:off x="7739987" y="2139180"/>
+            <a:ext cx="3510898" cy="1169551"/>
+          </a:xfrm>
+          <a:prstGeom prst="rect">
+            <a:avLst/>
+          </a:prstGeom>
+          <a:noFill/>
+          <a:ln>
+            <a:solidFill>
+              <a:schemeClr val="tx1"/>
+            </a:solidFill>
+          </a:ln>
+          <a:effectLst/>
+        </p:spPr>
+        <p:txBody>
+          <a:bodyPr vert="horz" wrap="none" lIns="91440" tIns="45720" rIns="91440" bIns="45720" numCol="1" anchor="ctr" anchorCtr="0" compatLnSpc="1">
+            <a:prstTxWarp prst="textNoShape">
+              <a:avLst/>
+            </a:prstTxWarp>
+            <a:spAutoFit/>
+          </a:bodyPr>
+          <a:lstStyle/>
+          <a:p>
+            <a:pPr marL="0" marR="0" lvl="0" indent="0" algn="l" defTabSz="914400" rtl="0" eaLnBrk="1" fontAlgn="auto" latinLnBrk="0" hangingPunct="1">
+              <a:lnSpc>
+                <a:spcPct val="100000"/>
+              </a:lnSpc>
+              <a:spcBef>
+                <a:spcPts val="0"/>
+              </a:spcBef>
+              <a:spcAft>
+                <a:spcPts val="0"/>
+              </a:spcAft>
+              <a:buClrTx/>
+              <a:buSzTx/>
+              <a:buFontTx/>
+              <a:buNone/>
+              <a:tabLst/>
+              <a:defRPr/>
+            </a:pPr>
+            <a:r>
+              <a:rPr lang="en-US" altLang="zh-CN" sz="1400" dirty="0"/>
+              <a:t>spring-cloud-starter-gateway</a:t>
+            </a:r>
+          </a:p>
+          <a:p>
+            <a:pPr>
+              <a:defRPr/>
+            </a:pPr>
+            <a:r>
+              <a:rPr lang="en-US" altLang="zh-CN" sz="1400" dirty="0"/>
+              <a:t>spring-cloud-starter-</a:t>
+            </a:r>
+            <a:r>
+              <a:rPr lang="en-US" altLang="zh-CN" sz="1400" dirty="0" err="1"/>
+              <a:t>netflix</a:t>
+            </a:r>
+            <a:r>
+              <a:rPr lang="en-US" altLang="zh-CN" sz="1400" dirty="0"/>
+              <a:t>-</a:t>
+            </a:r>
+            <a:r>
+              <a:rPr lang="en-US" altLang="zh-CN" sz="1400" dirty="0" err="1"/>
+              <a:t>hystrix</a:t>
+            </a:r>
+            <a:endParaRPr lang="en-US" altLang="zh-CN" sz="1400" dirty="0"/>
+          </a:p>
+          <a:p>
+            <a:pPr>
+              <a:defRPr/>
+            </a:pPr>
+            <a:r>
+              <a:rPr lang="en-US" altLang="zh-CN" sz="1400" dirty="0"/>
+              <a:t>spring-cloud-starter-contract-stub-runner</a:t>
+            </a:r>
+            <a:endParaRPr kumimoji="0" lang="zh-CN" altLang="zh-CN" sz="1050" b="0" i="0" u="none" strike="noStrike" cap="none" normalizeH="0" baseline="0" dirty="0">
+              <a:ln>
+                <a:noFill/>
+              </a:ln>
+              <a:solidFill>
+                <a:schemeClr val="tx1"/>
+              </a:solidFill>
+              <a:effectLst/>
+              <a:latin typeface="Arial" panose="020B0604020202020204" pitchFamily="34" charset="0"/>
+            </a:endParaRPr>
+          </a:p>
+          <a:p>
+            <a:pPr>
+              <a:defRPr/>
+            </a:pPr>
+            <a:r>
+              <a:rPr lang="en-US" altLang="zh-CN" sz="1400" dirty="0"/>
+              <a:t>    </a:t>
+            </a:r>
+            <a:r>
+              <a:rPr lang="en-US" altLang="zh-CN" sz="1400" dirty="0" err="1"/>
+              <a:t>exclude:spring-boot-starter-web</a:t>
+            </a:r>
+            <a:endParaRPr lang="en-US" altLang="zh-CN" sz="1400" dirty="0"/>
+          </a:p>
+          <a:p>
+            <a:pPr marL="0" marR="0" lvl="0" indent="0" algn="l" defTabSz="914400" rtl="0" eaLnBrk="1" fontAlgn="auto" latinLnBrk="0" hangingPunct="1">
+              <a:lnSpc>
+                <a:spcPct val="100000"/>
+              </a:lnSpc>
+              <a:spcBef>
+                <a:spcPts val="0"/>
+              </a:spcBef>
+              <a:spcAft>
+                <a:spcPts val="0"/>
+              </a:spcAft>
+              <a:buClrTx/>
+              <a:buSzTx/>
+              <a:buFontTx/>
+              <a:buNone/>
+              <a:tabLst/>
+              <a:defRPr/>
+            </a:pPr>
+            <a:r>
+              <a:rPr lang="en-US" altLang="zh-CN" sz="1400" dirty="0"/>
+              <a:t>spring-boot-starter-test</a:t>
+            </a:r>
+            <a:endParaRPr kumimoji="0" lang="zh-CN" altLang="zh-CN" sz="800" b="0" i="0" u="none" strike="noStrike" cap="none" normalizeH="0" baseline="0" dirty="0">
+              <a:ln>
+                <a:noFill/>
+              </a:ln>
+              <a:solidFill>
+                <a:schemeClr val="tx1"/>
+              </a:solidFill>
+              <a:effectLst/>
+              <a:latin typeface="Arial" panose="020B0604020202020204" pitchFamily="34" charset="0"/>
+            </a:endParaRPr>
+          </a:p>
+        </p:txBody>
+      </p:sp>
+      <p:cxnSp>
+        <p:nvCxnSpPr>
+          <p:cNvPr id="17" name="直接箭头连接符 16">
+            <a:extLst>
+              <a:ext uri="{FF2B5EF4-FFF2-40B4-BE49-F238E27FC236}">
+                <a16:creationId xmlns:a16="http://schemas.microsoft.com/office/drawing/2014/main" id="{F6181D9E-9990-41B8-86C8-5F15FD96657D}"/>
+              </a:ext>
+            </a:extLst>
+          </p:cNvPr>
+          <p:cNvCxnSpPr>
+            <a:cxnSpLocks/>
+            <a:stCxn id="10" idx="3"/>
+            <a:endCxn id="14" idx="1"/>
+          </p:cNvCxnSpPr>
+          <p:nvPr/>
+        </p:nvCxnSpPr>
+        <p:spPr>
+          <a:xfrm>
+            <a:off x="7057140" y="2723956"/>
+            <a:ext cx="682847" cy="0"/>
+          </a:xfrm>
+          <a:prstGeom prst="straightConnector1">
+            <a:avLst/>
+          </a:prstGeom>
+          <a:ln>
+            <a:tailEnd type="triangle"/>
+          </a:ln>
+        </p:spPr>
+        <p:style>
+          <a:lnRef idx="1">
+            <a:schemeClr val="accent1"/>
+          </a:lnRef>
+          <a:fillRef idx="0">
+            <a:schemeClr val="accent1"/>
+          </a:fillRef>
+          <a:effectRef idx="0">
+            <a:schemeClr val="accent1"/>
+          </a:effectRef>
+          <a:fontRef idx="minor">
+            <a:schemeClr val="tx1"/>
+          </a:fontRef>
+        </p:style>
+      </p:cxnSp>
+      <p:sp>
+        <p:nvSpPr>
+          <p:cNvPr id="25" name="Rectangle 1">
+            <a:extLst>
+              <a:ext uri="{FF2B5EF4-FFF2-40B4-BE49-F238E27FC236}">
+                <a16:creationId xmlns:a16="http://schemas.microsoft.com/office/drawing/2014/main" id="{2D3E23C4-F2E8-47FF-BCF5-0D6DDFE7AA5B}"/>
+              </a:ext>
+            </a:extLst>
+          </p:cNvPr>
+          <p:cNvSpPr>
+            <a:spLocks noChangeArrowheads="1"/>
+          </p:cNvSpPr>
+          <p:nvPr/>
+        </p:nvSpPr>
+        <p:spPr bwMode="auto">
+          <a:xfrm>
+            <a:off x="7490124" y="1223545"/>
+            <a:ext cx="2299027" cy="523220"/>
+          </a:xfrm>
+          <a:prstGeom prst="rect">
+            <a:avLst/>
+          </a:prstGeom>
+          <a:noFill/>
+          <a:ln>
+            <a:solidFill>
+              <a:schemeClr val="tx1"/>
+            </a:solidFill>
+          </a:ln>
+          <a:effectLst/>
+        </p:spPr>
+        <p:txBody>
+          <a:bodyPr vert="horz" wrap="none" lIns="91440" tIns="45720" rIns="91440" bIns="45720" numCol="1" anchor="ctr" anchorCtr="0" compatLnSpc="1">
+            <a:prstTxWarp prst="textNoShape">
+              <a:avLst/>
+            </a:prstTxWarp>
+            <a:spAutoFit/>
+          </a:bodyPr>
+          <a:lstStyle/>
+          <a:p>
+            <a:pPr marL="0" marR="0" lvl="0" indent="0" algn="l" defTabSz="914400" rtl="0" eaLnBrk="1" fontAlgn="auto" latinLnBrk="0" hangingPunct="1">
+              <a:lnSpc>
+                <a:spcPct val="100000"/>
+              </a:lnSpc>
+              <a:spcBef>
+                <a:spcPts val="0"/>
+              </a:spcBef>
+              <a:spcAft>
+                <a:spcPts val="0"/>
+              </a:spcAft>
+              <a:buClrTx/>
+              <a:buSzTx/>
+              <a:buFontTx/>
+              <a:buNone/>
+              <a:tabLst/>
+              <a:defRPr/>
+            </a:pPr>
+            <a:r>
+              <a:rPr lang="en-US" altLang="zh-CN" sz="1400" dirty="0"/>
+              <a:t>spring-boot-starter-test</a:t>
+            </a:r>
+          </a:p>
+          <a:p>
+            <a:pPr>
+              <a:defRPr/>
+            </a:pPr>
+            <a:r>
+              <a:rPr lang="en-US" altLang="zh-CN" sz="1400" dirty="0"/>
+              <a:t>spring-boot-maven-plugin</a:t>
+            </a:r>
+            <a:endParaRPr lang="zh-CN" altLang="zh-CN" sz="1400" dirty="0"/>
+          </a:p>
+        </p:txBody>
+      </p:sp>
+      <p:cxnSp>
+        <p:nvCxnSpPr>
+          <p:cNvPr id="26" name="直接箭头连接符 25">
+            <a:extLst>
+              <a:ext uri="{FF2B5EF4-FFF2-40B4-BE49-F238E27FC236}">
+                <a16:creationId xmlns:a16="http://schemas.microsoft.com/office/drawing/2014/main" id="{F4DE1063-1AAD-409B-A5FA-8B46B5EC733E}"/>
+              </a:ext>
+            </a:extLst>
+          </p:cNvPr>
+          <p:cNvCxnSpPr>
+            <a:cxnSpLocks/>
+          </p:cNvCxnSpPr>
+          <p:nvPr/>
+        </p:nvCxnSpPr>
+        <p:spPr>
+          <a:xfrm>
+            <a:off x="6807277" y="1539990"/>
+            <a:ext cx="682847" cy="0"/>
+          </a:xfrm>
+          <a:prstGeom prst="straightConnector1">
+            <a:avLst/>
+          </a:prstGeom>
+          <a:ln>
+            <a:tailEnd type="triangle"/>
+          </a:ln>
+        </p:spPr>
+        <p:style>
+          <a:lnRef idx="1">
+            <a:schemeClr val="accent1"/>
+          </a:lnRef>
+          <a:fillRef idx="0">
+            <a:schemeClr val="accent1"/>
+          </a:fillRef>
+          <a:effectRef idx="0">
+            <a:schemeClr val="accent1"/>
+          </a:effectRef>
+          <a:fontRef idx="minor">
+            <a:schemeClr val="tx1"/>
+          </a:fontRef>
+        </p:style>
+      </p:cxnSp>
+      <p:sp>
+        <p:nvSpPr>
+          <p:cNvPr id="28" name="Rectangle 1">
+            <a:extLst>
+              <a:ext uri="{FF2B5EF4-FFF2-40B4-BE49-F238E27FC236}">
+                <a16:creationId xmlns:a16="http://schemas.microsoft.com/office/drawing/2014/main" id="{B80061E0-BAFD-4283-A854-A3177DA79ACD}"/>
+              </a:ext>
+            </a:extLst>
+          </p:cNvPr>
+          <p:cNvSpPr>
+            <a:spLocks noChangeArrowheads="1"/>
+          </p:cNvSpPr>
+          <p:nvPr/>
+        </p:nvSpPr>
+        <p:spPr bwMode="auto">
+          <a:xfrm>
+            <a:off x="763455" y="1723681"/>
+            <a:ext cx="537327" cy="307777"/>
+          </a:xfrm>
+          <a:prstGeom prst="rect">
+            <a:avLst/>
+          </a:prstGeom>
+          <a:noFill/>
+          <a:ln>
+            <a:solidFill>
+              <a:schemeClr val="tx1"/>
+            </a:solidFill>
+          </a:ln>
+          <a:effectLst/>
+        </p:spPr>
+        <p:txBody>
+          <a:bodyPr vert="horz" wrap="none" lIns="91440" tIns="45720" rIns="91440" bIns="45720" numCol="1" anchor="ctr" anchorCtr="0" compatLnSpc="1">
+            <a:prstTxWarp prst="textNoShape">
+              <a:avLst/>
+            </a:prstTxWarp>
+            <a:spAutoFit/>
+          </a:bodyPr>
+          <a:lstStyle/>
+          <a:p>
+            <a:pPr eaLnBrk="0" fontAlgn="base" hangingPunct="0">
+              <a:spcBef>
+                <a:spcPct val="0"/>
+              </a:spcBef>
+              <a:spcAft>
+                <a:spcPct val="0"/>
+              </a:spcAft>
+            </a:pPr>
+            <a:r>
+              <a:rPr lang="en-US" altLang="zh-CN" sz="1400" dirty="0"/>
+              <a:t>Pom</a:t>
+            </a:r>
+          </a:p>
+        </p:txBody>
+      </p:sp>
+      <p:cxnSp>
+        <p:nvCxnSpPr>
+          <p:cNvPr id="30" name="直接箭头连接符 29">
+            <a:extLst>
+              <a:ext uri="{FF2B5EF4-FFF2-40B4-BE49-F238E27FC236}">
+                <a16:creationId xmlns:a16="http://schemas.microsoft.com/office/drawing/2014/main" id="{3B6026CC-7E57-4C24-A5B0-E718643E79DA}"/>
+              </a:ext>
+            </a:extLst>
+          </p:cNvPr>
+          <p:cNvCxnSpPr>
+            <a:stCxn id="28" idx="3"/>
+            <a:endCxn id="2" idx="1"/>
+          </p:cNvCxnSpPr>
+          <p:nvPr/>
+        </p:nvCxnSpPr>
+        <p:spPr>
+          <a:xfrm flipV="1">
+            <a:off x="1300782" y="1587456"/>
+            <a:ext cx="3092051" cy="290114"/>
+          </a:xfrm>
+          <a:prstGeom prst="straightConnector1">
+            <a:avLst/>
+          </a:prstGeom>
+          <a:ln>
+            <a:tailEnd type="triangle"/>
+          </a:ln>
+        </p:spPr>
+        <p:style>
+          <a:lnRef idx="1">
+            <a:schemeClr val="accent1"/>
+          </a:lnRef>
+          <a:fillRef idx="0">
+            <a:schemeClr val="accent1"/>
+          </a:fillRef>
+          <a:effectRef idx="0">
+            <a:schemeClr val="accent1"/>
+          </a:effectRef>
+          <a:fontRef idx="minor">
+            <a:schemeClr val="tx1"/>
+          </a:fontRef>
+        </p:style>
+      </p:cxnSp>
+      <p:cxnSp>
+        <p:nvCxnSpPr>
+          <p:cNvPr id="31" name="直接箭头连接符 30">
+            <a:extLst>
+              <a:ext uri="{FF2B5EF4-FFF2-40B4-BE49-F238E27FC236}">
+                <a16:creationId xmlns:a16="http://schemas.microsoft.com/office/drawing/2014/main" id="{29836B5B-DC12-4D48-A9B2-78407BEF70FF}"/>
+              </a:ext>
+            </a:extLst>
+          </p:cNvPr>
+          <p:cNvCxnSpPr>
+            <a:cxnSpLocks/>
+            <a:stCxn id="28" idx="3"/>
+            <a:endCxn id="10" idx="1"/>
+          </p:cNvCxnSpPr>
+          <p:nvPr/>
+        </p:nvCxnSpPr>
+        <p:spPr>
+          <a:xfrm>
+            <a:off x="1300782" y="1877570"/>
+            <a:ext cx="2018151" cy="846386"/>
+          </a:xfrm>
+          <a:prstGeom prst="straightConnector1">
+            <a:avLst/>
+          </a:prstGeom>
+          <a:ln>
+            <a:tailEnd type="triangle"/>
+          </a:ln>
+        </p:spPr>
+        <p:style>
+          <a:lnRef idx="1">
+            <a:schemeClr val="accent1"/>
+          </a:lnRef>
+          <a:fillRef idx="0">
+            <a:schemeClr val="accent1"/>
+          </a:fillRef>
+          <a:effectRef idx="0">
+            <a:schemeClr val="accent1"/>
+          </a:effectRef>
+          <a:fontRef idx="minor">
+            <a:schemeClr val="tx1"/>
+          </a:fontRef>
+        </p:style>
+      </p:cxnSp>
+      <p:sp>
+        <p:nvSpPr>
+          <p:cNvPr id="35" name="文本框 34">
+            <a:extLst>
+              <a:ext uri="{FF2B5EF4-FFF2-40B4-BE49-F238E27FC236}">
+                <a16:creationId xmlns:a16="http://schemas.microsoft.com/office/drawing/2014/main" id="{7A08CA4E-01C2-40BA-B8DB-CCC028090CDF}"/>
+              </a:ext>
+            </a:extLst>
+          </p:cNvPr>
+          <p:cNvSpPr txBox="1"/>
+          <p:nvPr/>
+        </p:nvSpPr>
+        <p:spPr>
+          <a:xfrm>
+            <a:off x="2379142" y="1401490"/>
+            <a:ext cx="615874" cy="276999"/>
+          </a:xfrm>
+          <a:prstGeom prst="rect">
+            <a:avLst/>
+          </a:prstGeom>
+          <a:noFill/>
+        </p:spPr>
+        <p:txBody>
+          <a:bodyPr wrap="none" rtlCol="0">
+            <a:spAutoFit/>
+          </a:bodyPr>
+          <a:lstStyle>
+            <a:defPPr>
+              <a:defRPr lang="zh-CN"/>
+            </a:defPPr>
+            <a:lvl1pPr>
+              <a:defRPr sz="1200"/>
+            </a:lvl1pPr>
+          </a:lstStyle>
+          <a:p>
+            <a:r>
+              <a:rPr lang="en-US" altLang="zh-CN" dirty="0"/>
+              <a:t>parent</a:t>
+            </a:r>
+            <a:endParaRPr lang="zh-CN" altLang="en-US" dirty="0"/>
+          </a:p>
+        </p:txBody>
+      </p:sp>
+      <p:sp>
+        <p:nvSpPr>
+          <p:cNvPr id="37" name="文本框 36">
+            <a:extLst>
+              <a:ext uri="{FF2B5EF4-FFF2-40B4-BE49-F238E27FC236}">
+                <a16:creationId xmlns:a16="http://schemas.microsoft.com/office/drawing/2014/main" id="{D3D1EFAF-714E-4D1D-AE21-CDF83BEF8BAF}"/>
+              </a:ext>
+            </a:extLst>
+          </p:cNvPr>
+          <p:cNvSpPr txBox="1"/>
+          <p:nvPr/>
+        </p:nvSpPr>
+        <p:spPr>
+          <a:xfrm>
+            <a:off x="1393605" y="2231514"/>
+            <a:ext cx="1063112" cy="461665"/>
+          </a:xfrm>
+          <a:prstGeom prst="rect">
+            <a:avLst/>
+          </a:prstGeom>
+          <a:noFill/>
+        </p:spPr>
+        <p:txBody>
+          <a:bodyPr wrap="none" rtlCol="0">
+            <a:spAutoFit/>
+          </a:bodyPr>
+          <a:lstStyle/>
+          <a:p>
+            <a:r>
+              <a:rPr lang="en-US" altLang="zh-CN" sz="1200" dirty="0"/>
+              <a:t>dependent</a:t>
+            </a:r>
+          </a:p>
+          <a:p>
+            <a:r>
+              <a:rPr lang="en-US" altLang="zh-CN" sz="1200" dirty="0"/>
+              <a:t>management</a:t>
+            </a:r>
+            <a:endParaRPr lang="zh-CN" altLang="en-US" sz="1200" dirty="0"/>
+          </a:p>
+        </p:txBody>
+      </p:sp>
+      <p:sp>
+        <p:nvSpPr>
+          <p:cNvPr id="13" name="Rectangle 1">
+            <a:extLst>
+              <a:ext uri="{FF2B5EF4-FFF2-40B4-BE49-F238E27FC236}">
+                <a16:creationId xmlns:a16="http://schemas.microsoft.com/office/drawing/2014/main" id="{3549CDF4-1F73-4118-A960-C22FDC46CF09}"/>
+              </a:ext>
+            </a:extLst>
+          </p:cNvPr>
+          <p:cNvSpPr>
+            <a:spLocks noChangeArrowheads="1"/>
+          </p:cNvSpPr>
+          <p:nvPr/>
+        </p:nvSpPr>
+        <p:spPr bwMode="auto">
+          <a:xfrm>
+            <a:off x="1203339" y="4423091"/>
+            <a:ext cx="2967479" cy="507831"/>
+          </a:xfrm>
+          <a:prstGeom prst="rect">
+            <a:avLst/>
+          </a:prstGeom>
+          <a:noFill/>
+          <a:ln>
+            <a:noFill/>
+          </a:ln>
+          <a:effectLst/>
+        </p:spPr>
+        <p:txBody>
+          <a:bodyPr vert="horz" wrap="none" lIns="91440" tIns="45720" rIns="91440" bIns="45720" numCol="1" anchor="ctr" anchorCtr="0" compatLnSpc="1">
+            <a:prstTxWarp prst="textNoShape">
+              <a:avLst/>
+            </a:prstTxWarp>
+            <a:spAutoFit/>
+          </a:bodyPr>
+          <a:lstStyle/>
+          <a:p>
+            <a:pPr eaLnBrk="0" fontAlgn="base" hangingPunct="0">
+              <a:spcBef>
+                <a:spcPct val="0"/>
+              </a:spcBef>
+              <a:spcAft>
+                <a:spcPct val="0"/>
+              </a:spcAft>
+            </a:pPr>
+            <a:endParaRPr kumimoji="0" lang="en-US" altLang="zh-CN" sz="1300" b="0" i="0" u="none" strike="noStrike" cap="none" normalizeH="0" baseline="0" dirty="0">
+              <a:ln>
+                <a:noFill/>
+              </a:ln>
+              <a:effectLst/>
+              <a:latin typeface="Consolas" panose="020B0609020204030204" pitchFamily="49" charset="0"/>
+            </a:endParaRPr>
+          </a:p>
+          <a:p>
+            <a:pPr eaLnBrk="0" fontAlgn="base" hangingPunct="0">
+              <a:spcBef>
+                <a:spcPct val="0"/>
+              </a:spcBef>
+              <a:spcAft>
+                <a:spcPct val="0"/>
+              </a:spcAft>
+            </a:pPr>
+            <a:r>
+              <a:rPr lang="en-US" altLang="zh-CN" sz="1400" dirty="0">
+                <a:latin typeface="FangSong" panose="02010609060101010101" pitchFamily="49" charset="-122"/>
+                <a:ea typeface="FangSong" panose="02010609060101010101" pitchFamily="49" charset="-122"/>
+              </a:rPr>
+              <a:t>flatten-maven-plugin  </a:t>
+            </a:r>
+            <a:r>
+              <a:rPr lang="zh-CN" altLang="en-US" sz="1400" dirty="0">
+                <a:latin typeface="FangSong" panose="02010609060101010101" pitchFamily="49" charset="-122"/>
+                <a:ea typeface="FangSong" panose="02010609060101010101" pitchFamily="49" charset="-122"/>
+              </a:rPr>
+              <a:t>的作用？</a:t>
+            </a:r>
+            <a:r>
+              <a:rPr lang="en-US" altLang="zh-CN" sz="1400" dirty="0">
+                <a:latin typeface="FangSong" panose="02010609060101010101" pitchFamily="49" charset="-122"/>
+                <a:ea typeface="FangSong" panose="02010609060101010101" pitchFamily="49" charset="-122"/>
+              </a:rPr>
+              <a:t> </a:t>
+            </a:r>
+            <a:endParaRPr lang="zh-CN" altLang="en-US" sz="1400" dirty="0">
+              <a:latin typeface="FangSong" panose="02010609060101010101" pitchFamily="49" charset="-122"/>
+              <a:ea typeface="FangSong" panose="02010609060101010101" pitchFamily="49" charset="-122"/>
+            </a:endParaRPr>
+          </a:p>
+        </p:txBody>
+      </p:sp>
+    </p:spTree>
+    <p:extLst>
+      <p:ext uri="{BB962C8B-B14F-4D97-AF65-F5344CB8AC3E}">
+        <p14:creationId xmlns:p14="http://schemas.microsoft.com/office/powerpoint/2010/main" val="2551786820"/>
+      </p:ext>
+    </p:extLst>
+  </p:cSld>
+  <p:clrMapOvr>
+    <a:masterClrMapping/>
+  </p:clrMapOvr>
+</p:sld>
+</file>
+
+<file path=ppt/slides/slide2.xml><?xml version="1.0" encoding="utf-8"?>
+<p:sld xmlns:a="http://schemas.openxmlformats.org/drawingml/2006/main" xmlns:r="http://schemas.openxmlformats.org/officeDocument/2006/relationships" xmlns:p="http://schemas.openxmlformats.org/presentationml/2006/main">
+  <p:cSld>
+    <p:spTree>
+      <p:nvGrpSpPr>
+        <p:cNvPr id="1" name=""/>
+        <p:cNvGrpSpPr/>
+        <p:nvPr/>
+      </p:nvGrpSpPr>
+      <p:grpSpPr>
+        <a:xfrm>
+          <a:off x="0" y="0"/>
+          <a:ext cx="0" cy="0"/>
+          <a:chOff x="0" y="0"/>
+          <a:chExt cx="0" cy="0"/>
+        </a:xfrm>
+      </p:grpSpPr>
+      <p:sp>
+        <p:nvSpPr>
           <p:cNvPr id="4" name="矩形 3">
             <a:extLst>
               <a:ext uri="{FF2B5EF4-FFF2-40B4-BE49-F238E27FC236}">
@@ -4167,7 +5077,7 @@
 </p:sld>
 </file>
 
-<file path=ppt/slides/slide2.xml><?xml version="1.0" encoding="utf-8"?>
+<file path=ppt/slides/slide3.xml><?xml version="1.0" encoding="utf-8"?>
 <p:sld xmlns:a="http://schemas.openxmlformats.org/drawingml/2006/main" xmlns:r="http://schemas.openxmlformats.org/officeDocument/2006/relationships" xmlns:p="http://schemas.openxmlformats.org/presentationml/2006/main">
   <p:cSld>
     <p:spTree>
